--- a/documentation/QA Fundamental Project - IMS.pptx
+++ b/documentation/QA Fundamental Project - IMS.pptx
@@ -255,7 +255,8 @@
           <a:p>
             <a:fld id="{84BB57D9-7C46-42EB-A903-BC62AC661867}" type="datetimeFigureOut">
               <a:rPr lang="en-GB" smtClean="0"/>
-              <a:t>19/11/2020</a:t>
+              <a:pPr/>
+              <a:t>20/11/2020</a:t>
             </a:fld>
             <a:endParaRPr lang="en-GB"/>
           </a:p>
@@ -1001,6 +1002,7 @@
           <a:p>
             <a:fld id="{D13D4C24-1E8A-4303-A656-87A90289E1C0}" type="slidenum">
               <a:rPr lang="en-GB" smtClean="0"/>
+              <a:pPr/>
               <a:t>‹#›</a:t>
             </a:fld>
             <a:endParaRPr lang="en-GB"/>
@@ -1124,7 +1126,8 @@
           <a:p>
             <a:fld id="{84BB57D9-7C46-42EB-A903-BC62AC661867}" type="datetimeFigureOut">
               <a:rPr lang="en-GB" smtClean="0"/>
-              <a:t>19/11/2020</a:t>
+              <a:pPr/>
+              <a:t>20/11/2020</a:t>
             </a:fld>
             <a:endParaRPr lang="en-GB"/>
           </a:p>
@@ -1166,6 +1169,7 @@
           <a:p>
             <a:fld id="{D13D4C24-1E8A-4303-A656-87A90289E1C0}" type="slidenum">
               <a:rPr lang="en-GB" smtClean="0"/>
+              <a:pPr/>
               <a:t>‹#›</a:t>
             </a:fld>
             <a:endParaRPr lang="en-GB"/>
@@ -1299,7 +1303,8 @@
           <a:p>
             <a:fld id="{84BB57D9-7C46-42EB-A903-BC62AC661867}" type="datetimeFigureOut">
               <a:rPr lang="en-GB" smtClean="0"/>
-              <a:t>19/11/2020</a:t>
+              <a:pPr/>
+              <a:t>20/11/2020</a:t>
             </a:fld>
             <a:endParaRPr lang="en-GB"/>
           </a:p>
@@ -1341,6 +1346,7 @@
           <a:p>
             <a:fld id="{D13D4C24-1E8A-4303-A656-87A90289E1C0}" type="slidenum">
               <a:rPr lang="en-GB" smtClean="0"/>
+              <a:pPr/>
               <a:t>‹#›</a:t>
             </a:fld>
             <a:endParaRPr lang="en-GB"/>
@@ -1469,7 +1475,8 @@
           <a:p>
             <a:fld id="{84BB57D9-7C46-42EB-A903-BC62AC661867}" type="datetimeFigureOut">
               <a:rPr lang="en-GB" smtClean="0"/>
-              <a:t>19/11/2020</a:t>
+              <a:pPr/>
+              <a:t>20/11/2020</a:t>
             </a:fld>
             <a:endParaRPr lang="en-GB"/>
           </a:p>
@@ -1492,6 +1499,7 @@
           <a:p>
             <a:fld id="{D13D4C24-1E8A-4303-A656-87A90289E1C0}" type="slidenum">
               <a:rPr lang="en-GB" smtClean="0"/>
+              <a:pPr/>
               <a:t>‹#›</a:t>
             </a:fld>
             <a:endParaRPr lang="en-GB"/>
@@ -1679,7 +1687,8 @@
           <a:p>
             <a:fld id="{84BB57D9-7C46-42EB-A903-BC62AC661867}" type="datetimeFigureOut">
               <a:rPr lang="en-GB" smtClean="0"/>
-              <a:t>19/11/2020</a:t>
+              <a:pPr/>
+              <a:t>20/11/2020</a:t>
             </a:fld>
             <a:endParaRPr lang="en-GB"/>
           </a:p>
@@ -2422,6 +2431,7 @@
           <a:p>
             <a:fld id="{D13D4C24-1E8A-4303-A656-87A90289E1C0}" type="slidenum">
               <a:rPr lang="en-GB" smtClean="0"/>
+              <a:pPr/>
               <a:t>‹#›</a:t>
             </a:fld>
             <a:endParaRPr lang="en-GB"/>
@@ -2493,7 +2503,8 @@
           <a:p>
             <a:fld id="{84BB57D9-7C46-42EB-A903-BC62AC661867}" type="datetimeFigureOut">
               <a:rPr lang="en-GB" smtClean="0"/>
-              <a:t>19/11/2020</a:t>
+              <a:pPr/>
+              <a:t>20/11/2020</a:t>
             </a:fld>
             <a:endParaRPr lang="en-GB"/>
           </a:p>
@@ -2535,6 +2546,7 @@
           <a:p>
             <a:fld id="{D13D4C24-1E8A-4303-A656-87A90289E1C0}" type="slidenum">
               <a:rPr lang="en-GB" smtClean="0"/>
+              <a:pPr/>
               <a:t>‹#›</a:t>
             </a:fld>
             <a:endParaRPr lang="en-GB"/>
@@ -2729,7 +2741,8 @@
           <a:p>
             <a:fld id="{84BB57D9-7C46-42EB-A903-BC62AC661867}" type="datetimeFigureOut">
               <a:rPr lang="en-GB" smtClean="0"/>
-              <a:t>19/11/2020</a:t>
+              <a:pPr/>
+              <a:t>20/11/2020</a:t>
             </a:fld>
             <a:endParaRPr lang="en-GB"/>
           </a:p>
@@ -2771,6 +2784,7 @@
           <a:p>
             <a:fld id="{D13D4C24-1E8A-4303-A656-87A90289E1C0}" type="slidenum">
               <a:rPr lang="en-GB" smtClean="0"/>
+              <a:pPr/>
               <a:t>‹#›</a:t>
             </a:fld>
             <a:endParaRPr lang="en-GB"/>
@@ -3052,7 +3066,8 @@
           <a:p>
             <a:fld id="{84BB57D9-7C46-42EB-A903-BC62AC661867}" type="datetimeFigureOut">
               <a:rPr lang="en-GB" smtClean="0"/>
-              <a:t>19/11/2020</a:t>
+              <a:pPr/>
+              <a:t>20/11/2020</a:t>
             </a:fld>
             <a:endParaRPr lang="en-GB"/>
           </a:p>
@@ -3075,6 +3090,7 @@
           <a:p>
             <a:fld id="{D13D4C24-1E8A-4303-A656-87A90289E1C0}" type="slidenum">
               <a:rPr lang="en-GB" smtClean="0"/>
+              <a:pPr/>
               <a:t>‹#›</a:t>
             </a:fld>
             <a:endParaRPr lang="en-GB"/>
@@ -3142,7 +3158,8 @@
           <a:p>
             <a:fld id="{84BB57D9-7C46-42EB-A903-BC62AC661867}" type="datetimeFigureOut">
               <a:rPr lang="en-GB" smtClean="0"/>
-              <a:t>19/11/2020</a:t>
+              <a:pPr/>
+              <a:t>20/11/2020</a:t>
             </a:fld>
             <a:endParaRPr lang="en-GB"/>
           </a:p>
@@ -3184,6 +3201,7 @@
           <a:p>
             <a:fld id="{D13D4C24-1E8A-4303-A656-87A90289E1C0}" type="slidenum">
               <a:rPr lang="en-GB" smtClean="0"/>
+              <a:pPr/>
               <a:t>‹#›</a:t>
             </a:fld>
             <a:endParaRPr lang="en-GB"/>
@@ -3659,7 +3677,8 @@
           <a:p>
             <a:fld id="{84BB57D9-7C46-42EB-A903-BC62AC661867}" type="datetimeFigureOut">
               <a:rPr lang="en-GB" smtClean="0"/>
-              <a:t>19/11/2020</a:t>
+              <a:pPr/>
+              <a:t>20/11/2020</a:t>
             </a:fld>
             <a:endParaRPr lang="en-GB"/>
           </a:p>
@@ -3682,6 +3701,7 @@
           <a:p>
             <a:fld id="{D13D4C24-1E8A-4303-A656-87A90289E1C0}" type="slidenum">
               <a:rPr lang="en-GB" smtClean="0"/>
+              <a:pPr/>
               <a:t>‹#›</a:t>
             </a:fld>
             <a:endParaRPr lang="en-GB"/>
@@ -4170,7 +4190,8 @@
           <a:p>
             <a:fld id="{84BB57D9-7C46-42EB-A903-BC62AC661867}" type="datetimeFigureOut">
               <a:rPr lang="en-GB" smtClean="0"/>
-              <a:t>19/11/2020</a:t>
+              <a:pPr/>
+              <a:t>20/11/2020</a:t>
             </a:fld>
             <a:endParaRPr lang="en-GB"/>
           </a:p>
@@ -4193,6 +4214,7 @@
           <a:p>
             <a:fld id="{D13D4C24-1E8A-4303-A656-87A90289E1C0}" type="slidenum">
               <a:rPr lang="en-GB" smtClean="0"/>
+              <a:pPr/>
               <a:t>‹#›</a:t>
             </a:fld>
             <a:endParaRPr lang="en-GB"/>
@@ -4415,7 +4437,8 @@
           <a:p>
             <a:fld id="{84BB57D9-7C46-42EB-A903-BC62AC661867}" type="datetimeFigureOut">
               <a:rPr lang="en-GB" smtClean="0"/>
-              <a:t>19/11/2020</a:t>
+              <a:pPr/>
+              <a:t>20/11/2020</a:t>
             </a:fld>
             <a:endParaRPr lang="en-GB"/>
           </a:p>
@@ -4691,6 +4714,7 @@
           <a:p>
             <a:fld id="{D13D4C24-1E8A-4303-A656-87A90289E1C0}" type="slidenum">
               <a:rPr lang="en-GB" smtClean="0"/>
+              <a:pPr/>
               <a:t>‹#›</a:t>
             </a:fld>
             <a:endParaRPr lang="en-GB"/>
@@ -5060,11 +5084,7 @@
           <a:p>
             <a:r>
               <a:rPr lang="en-GB" dirty="0" smtClean="0"/>
-              <a:t>Inventory Management System (IMS</a:t>
-            </a:r>
-            <a:r>
-              <a:rPr lang="en-GB" dirty="0" smtClean="0"/>
-              <a:t>)</a:t>
+              <a:t>Inventory Management System (IMS)</a:t>
             </a:r>
           </a:p>
           <a:p>
@@ -5191,15 +5211,13 @@
             <a:pPr lvl="1"/>
             <a:r>
               <a:rPr lang="en-GB" sz="1800" dirty="0" smtClean="0"/>
-              <a:t>Hiding the password for connecting to the database.</a:t>
-            </a:r>
-          </a:p>
-          <a:p>
-            <a:pPr lvl="1"/>
+              <a:t>Hiding the password for connecting to the database</a:t>
+            </a:r>
             <a:r>
               <a:rPr lang="en-GB" sz="1800" dirty="0" smtClean="0"/>
-              <a:t>If password is wrong, inform the user.</a:t>
-            </a:r>
+              <a:t>.</a:t>
+            </a:r>
+            <a:endParaRPr lang="en-GB" sz="1800" dirty="0" smtClean="0"/>
           </a:p>
           <a:p>
             <a:pPr lvl="1"/>
@@ -5322,16 +5340,9 @@
             </a:r>
           </a:p>
           <a:p>
-            <a:endParaRPr lang="en-GB" sz="1800" dirty="0" smtClean="0"/>
-          </a:p>
-          <a:p>
-            <a:r>
-              <a:rPr lang="en-GB" sz="1800" b="1" dirty="0" smtClean="0"/>
-              <a:t>What would I change if I could do the project again?</a:t>
-            </a:r>
-          </a:p>
-          <a:p>
-            <a:pPr lvl="1"/>
+            <a:pPr lvl="1">
+              <a:buNone/>
+            </a:pPr>
             <a:endParaRPr lang="en-GB" sz="1500" b="1" dirty="0"/>
           </a:p>
         </p:txBody>
@@ -5655,7 +5666,6 @@
               <a:rPr lang="en-GB" sz="1800" dirty="0" smtClean="0"/>
               <a:t>I planned what to begin coding first and how to structure the orders &amp; orders_items relationship.</a:t>
             </a:r>
-            <a:endParaRPr lang="en-GB" sz="1800" dirty="0" smtClean="0"/>
           </a:p>
         </p:txBody>
       </p:sp>
@@ -5801,38 +5811,6 @@
           </a:ln>
         </p:spPr>
       </p:pic>
-      <p:pic>
-        <p:nvPicPr>
-          <p:cNvPr id="4100" name="Picture 4"/>
-          <p:cNvPicPr>
-            <a:picLocks noChangeAspect="1" noChangeArrowheads="1"/>
-          </p:cNvPicPr>
-          <p:nvPr/>
-        </p:nvPicPr>
-        <p:blipFill>
-          <a:blip r:embed="rId3" cstate="print"/>
-          <a:srcRect/>
-          <a:stretch>
-            <a:fillRect/>
-          </a:stretch>
-        </p:blipFill>
-        <p:spPr bwMode="auto">
-          <a:xfrm>
-            <a:off x="3342722" y="1628800"/>
-            <a:ext cx="5370050" cy="1656184"/>
-          </a:xfrm>
-          <a:prstGeom prst="rect">
-            <a:avLst/>
-          </a:prstGeom>
-          <a:noFill/>
-          <a:ln w="9525">
-            <a:noFill/>
-            <a:miter lim="800000"/>
-            <a:headEnd/>
-            <a:tailEnd/>
-          </a:ln>
-        </p:spPr>
-      </p:pic>
       <p:sp>
         <p:nvSpPr>
           <p:cNvPr id="7" name="Content Placeholder 2"/>
@@ -5926,6 +5904,38 @@
           </a:p>
         </p:txBody>
       </p:sp>
+      <p:pic>
+        <p:nvPicPr>
+          <p:cNvPr id="1026" name="Picture 2"/>
+          <p:cNvPicPr>
+            <a:picLocks noChangeAspect="1" noChangeArrowheads="1"/>
+          </p:cNvPicPr>
+          <p:nvPr/>
+        </p:nvPicPr>
+        <p:blipFill>
+          <a:blip r:embed="rId3" cstate="print"/>
+          <a:srcRect/>
+          <a:stretch>
+            <a:fillRect/>
+          </a:stretch>
+        </p:blipFill>
+        <p:spPr bwMode="auto">
+          <a:xfrm>
+            <a:off x="3347864" y="1700808"/>
+            <a:ext cx="5228490" cy="1730127"/>
+          </a:xfrm>
+          <a:prstGeom prst="rect">
+            <a:avLst/>
+          </a:prstGeom>
+          <a:noFill/>
+          <a:ln w="9525">
+            <a:noFill/>
+            <a:miter lim="800000"/>
+            <a:headEnd/>
+            <a:tailEnd/>
+          </a:ln>
+        </p:spPr>
+      </p:pic>
     </p:spTree>
   </p:cSld>
   <p:clrMapOvr>
@@ -5996,11 +6006,7 @@
           <a:p>
             <a:r>
               <a:rPr lang="en-GB" sz="1800" dirty="0" smtClean="0"/>
-              <a:t> </a:t>
-            </a:r>
-            <a:r>
-              <a:rPr lang="en-GB" sz="1800" dirty="0" smtClean="0"/>
-              <a:t>Java – New Language Learned</a:t>
+              <a:t> Java – New Language Learned</a:t>
             </a:r>
           </a:p>
           <a:p>
@@ -6024,13 +6030,8 @@
           <a:p>
             <a:r>
               <a:rPr lang="en-GB" sz="1800" dirty="0" smtClean="0"/>
-              <a:t>Eclipse – </a:t>
-            </a:r>
-            <a:r>
-              <a:rPr lang="en-GB" sz="1800" dirty="0" smtClean="0"/>
-              <a:t>New Technology</a:t>
-            </a:r>
-            <a:endParaRPr lang="en-GB" sz="1800" dirty="0" smtClean="0"/>
+              <a:t>Eclipse – New Technology</a:t>
+            </a:r>
           </a:p>
           <a:p>
             <a:r>
@@ -6306,7 +6307,6 @@
               <a:rPr lang="en-GB" sz="1800" dirty="0" smtClean="0"/>
               <a:t>80.30% Test coverage Achieved </a:t>
             </a:r>
-            <a:endParaRPr lang="en-GB" sz="1800" dirty="0" smtClean="0"/>
           </a:p>
           <a:p>
             <a:endParaRPr lang="en-GB" sz="1800" dirty="0" smtClean="0"/>
@@ -6333,8 +6333,34 @@
         </p:blipFill>
         <p:spPr bwMode="auto">
           <a:xfrm>
-            <a:off x="1907704" y="3356992"/>
+            <a:off x="1835696" y="3356992"/>
             <a:ext cx="4610199" cy="3267886"/>
+          </a:xfrm>
+          <a:prstGeom prst="rect">
+            <a:avLst/>
+          </a:prstGeom>
+          <a:noFill/>
+        </p:spPr>
+      </p:pic>
+      <p:pic>
+        <p:nvPicPr>
+          <p:cNvPr id="4" name="Picture 2" descr="D:\Coding\QA Academy\1. Projects\1\Coverage.PNG"/>
+          <p:cNvPicPr>
+            <a:picLocks noChangeAspect="1" noChangeArrowheads="1"/>
+          </p:cNvPicPr>
+          <p:nvPr/>
+        </p:nvPicPr>
+        <p:blipFill>
+          <a:blip r:embed="rId3" cstate="print"/>
+          <a:srcRect l="37065" t="77857" r="30344" b="16832"/>
+          <a:stretch>
+            <a:fillRect/>
+          </a:stretch>
+        </p:blipFill>
+        <p:spPr bwMode="auto">
+          <a:xfrm>
+            <a:off x="4427984" y="2996952"/>
+            <a:ext cx="2520280" cy="337086"/>
           </a:xfrm>
           <a:prstGeom prst="rect">
             <a:avLst/>
@@ -6377,39 +6403,22 @@
             <p:ph type="title"/>
           </p:nvPr>
         </p:nvSpPr>
-        <p:spPr/>
+        <p:spPr>
+          <a:xfrm>
+            <a:off x="611560" y="2132856"/>
+            <a:ext cx="7467600" cy="1143000"/>
+          </a:xfrm>
+        </p:spPr>
         <p:txBody>
           <a:bodyPr/>
           <a:lstStyle/>
           <a:p>
-            <a:r>
-              <a:rPr lang="en-GB" dirty="0" smtClean="0"/>
-              <a:t>DEMO</a:t>
-            </a:r>
-            <a:endParaRPr lang="en-GB" dirty="0"/>
-          </a:p>
-        </p:txBody>
-      </p:sp>
-      <p:sp>
-        <p:nvSpPr>
-          <p:cNvPr id="3" name="Content Placeholder 2"/>
-          <p:cNvSpPr>
-            <a:spLocks noGrp="1"/>
-          </p:cNvSpPr>
-          <p:nvPr>
-            <p:ph sz="quarter" idx="1"/>
-          </p:nvPr>
-        </p:nvSpPr>
-        <p:spPr/>
-        <p:txBody>
-          <a:bodyPr/>
-          <a:lstStyle/>
-          <a:p>
-            <a:r>
-              <a:rPr lang="en-GB" dirty="0" smtClean="0"/>
-              <a:t>Let’s do a run through of my stuff</a:t>
-            </a:r>
-            <a:endParaRPr lang="en-GB" dirty="0"/>
+            <a:pPr algn="ctr"/>
+            <a:r>
+              <a:rPr lang="en-GB" sz="4000" dirty="0" smtClean="0"/>
+              <a:t>DEMO of IMS</a:t>
+            </a:r>
+            <a:endParaRPr lang="en-GB" sz="4000" dirty="0"/>
           </a:p>
         </p:txBody>
       </p:sp>
